--- a/translations/en/lessons/HowtoUse.pptx
+++ b/translations/en/lessons/HowtoUse.pptx
@@ -5,10 +5,10 @@
     <p:sldMasterId id="2147483761" r:id="rId1"/>
   </p:sldMasterIdLst>
   <p:notesMasterIdLst>
-    <p:notesMasterId r:id="rId8"/>
+    <p:notesMasterId r:id="rId9"/>
   </p:notesMasterIdLst>
   <p:handoutMasterIdLst>
-    <p:handoutMasterId r:id="rId9"/>
+    <p:handoutMasterId r:id="rId10"/>
   </p:handoutMasterIdLst>
   <p:sldIdLst>
     <p:sldId id="275" r:id="rId2"/>
@@ -16,7 +16,8 @@
     <p:sldId id="278" r:id="rId4"/>
     <p:sldId id="279" r:id="rId5"/>
     <p:sldId id="277" r:id="rId6"/>
-    <p:sldId id="268" r:id="rId7"/>
+    <p:sldId id="280" r:id="rId7"/>
+    <p:sldId id="268" r:id="rId8"/>
   </p:sldIdLst>
   <p:sldSz cx="9144000" cy="6858000" type="screen4x3"/>
   <p:notesSz cx="6858000" cy="9144000"/>
@@ -216,7 +217,7 @@
           <a:p>
             <a:fld id="{58040048-1E4D-CD41-AC49-0750EB72586B}" type="datetimeFigureOut">
               <a:rPr lang="en-US" smtClean="0"/>
-              <a:t>01/08/2020</a:t>
+              <a:t>6/7/20</a:t>
             </a:fld>
             <a:endParaRPr lang="en-US"/>
           </a:p>
@@ -382,7 +383,7 @@
           <a:p>
             <a:fld id="{2B8484CF-5098-F24E-8881-583515D5C406}" type="datetimeFigureOut">
               <a:rPr lang="en-US" smtClean="0"/>
-              <a:t>01/08/2020</a:t>
+              <a:t>6/7/20</a:t>
             </a:fld>
             <a:endParaRPr lang="en-US"/>
           </a:p>
@@ -1578,7 +1579,7 @@
           <a:p>
             <a:r>
               <a:rPr lang="en-US"/>
-              <a:t>Copyright © 2020 SPIKE Prime Lessons (primelessons.org) CC-BY-NC-SA.  (Last edit: 1/9/2020)</a:t>
+              <a:t>Copyright © 2020 SPIKE Prime Lessons (primelessons.org) CC-BY-NC-SA.  (Last edit: 6/07/2020)</a:t>
             </a:r>
             <a:endParaRPr lang="en-US" dirty="0"/>
           </a:p>
@@ -1832,7 +1833,7 @@
           <a:p>
             <a:r>
               <a:rPr lang="en-US"/>
-              <a:t>Copyright © 2020 SPIKE Prime Lessons (primelessons.org) CC-BY-NC-SA.  (Last edit: 1/9/2020)</a:t>
+              <a:t>Copyright © 2020 SPIKE Prime Lessons (primelessons.org) CC-BY-NC-SA.  (Last edit: 6/07/2020)</a:t>
             </a:r>
             <a:endParaRPr lang="en-US" dirty="0"/>
           </a:p>
@@ -2078,7 +2079,7 @@
           <a:p>
             <a:r>
               <a:rPr lang="en-US"/>
-              <a:t>Copyright © 2020 SPIKE Prime Lessons (primelessons.org) CC-BY-NC-SA.  (Last edit: 1/9/2020)</a:t>
+              <a:t>Copyright © 2020 SPIKE Prime Lessons (primelessons.org) CC-BY-NC-SA.  (Last edit: 6/07/2020)</a:t>
             </a:r>
             <a:endParaRPr lang="en-US" dirty="0"/>
           </a:p>
@@ -2451,7 +2452,7 @@
           <a:p>
             <a:r>
               <a:rPr lang="en-US"/>
-              <a:t>Copyright © 2020 SPIKE Prime Lessons (primelessons.org) CC-BY-NC-SA.  (Last edit: 1/9/2020)</a:t>
+              <a:t>Copyright © 2020 SPIKE Prime Lessons (primelessons.org) CC-BY-NC-SA.  (Last edit: 6/07/2020)</a:t>
             </a:r>
             <a:endParaRPr lang="en-US" dirty="0"/>
           </a:p>
@@ -2870,7 +2871,7 @@
           <a:p>
             <a:r>
               <a:rPr lang="en-US"/>
-              <a:t>Copyright © 2020 SPIKE Prime Lessons (primelessons.org) CC-BY-NC-SA.  (Last edit: 1/9/2020)</a:t>
+              <a:t>Copyright © 2020 SPIKE Prime Lessons (primelessons.org) CC-BY-NC-SA.  (Last edit: 6/07/2020)</a:t>
             </a:r>
             <a:endParaRPr lang="en-US" dirty="0"/>
           </a:p>
@@ -3385,7 +3386,7 @@
           <a:p>
             <a:r>
               <a:rPr lang="en-US"/>
-              <a:t>Copyright © 2020 SPIKE Prime Lessons (primelessons.org) CC-BY-NC-SA.  (Last edit: 1/9/2020)</a:t>
+              <a:t>Copyright © 2020 SPIKE Prime Lessons (primelessons.org) CC-BY-NC-SA.  (Last edit: 6/07/2020)</a:t>
             </a:r>
             <a:endParaRPr lang="en-US" dirty="0"/>
           </a:p>
@@ -3577,7 +3578,7 @@
           <a:p>
             <a:r>
               <a:rPr lang="en-US"/>
-              <a:t>Copyright © 2020 SPIKE Prime Lessons (primelessons.org) CC-BY-NC-SA.  (Last edit: 1/9/2020)</a:t>
+              <a:t>Copyright © 2020 SPIKE Prime Lessons (primelessons.org) CC-BY-NC-SA.  (Last edit: 6/07/2020)</a:t>
             </a:r>
             <a:endParaRPr lang="en-US" dirty="0"/>
           </a:p>
@@ -3978,7 +3979,7 @@
           <a:p>
             <a:r>
               <a:rPr lang="en-US"/>
-              <a:t>Copyright © 2020 SPIKE Prime Lessons (primelessons.org) CC-BY-NC-SA.  (Last edit: 1/9/2020)</a:t>
+              <a:t>Copyright © 2020 SPIKE Prime Lessons (primelessons.org) CC-BY-NC-SA.  (Last edit: 6/07/2020)</a:t>
             </a:r>
             <a:endParaRPr lang="en-US" dirty="0"/>
           </a:p>
@@ -4360,7 +4361,7 @@
           <a:p>
             <a:r>
               <a:rPr lang="en-US"/>
-              <a:t>Copyright © 2020 SPIKE Prime Lessons (primelessons.org) CC-BY-NC-SA.  (Last edit: 1/9/2020)</a:t>
+              <a:t>Copyright © 2020 SPIKE Prime Lessons (primelessons.org) CC-BY-NC-SA.  (Last edit: 6/07/2020)</a:t>
             </a:r>
           </a:p>
         </p:txBody>
@@ -4661,7 +4662,7 @@
           <a:p>
             <a:r>
               <a:rPr lang="en-US"/>
-              <a:t>Copyright © 2020 SPIKE Prime Lessons (primelessons.org) CC-BY-NC-SA.  (Last edit: 1/9/2020)</a:t>
+              <a:t>Copyright © 2020 SPIKE Prime Lessons (primelessons.org) CC-BY-NC-SA.  (Last edit: 6/07/2020)</a:t>
             </a:r>
             <a:endParaRPr lang="en-US" dirty="0"/>
           </a:p>
@@ -4981,7 +4982,7 @@
           <a:p>
             <a:r>
               <a:rPr lang="en-US"/>
-              <a:t>Copyright © 2020 SPIKE Prime Lessons (primelessons.org) CC-BY-NC-SA.  (Last edit: 1/9/2020)</a:t>
+              <a:t>Copyright © 2020 SPIKE Prime Lessons (primelessons.org) CC-BY-NC-SA.  (Last edit: 6/07/2020)</a:t>
             </a:r>
             <a:endParaRPr lang="en-US" dirty="0"/>
           </a:p>
@@ -5613,7 +5614,7 @@
           <a:p>
             <a:r>
               <a:rPr lang="en-US"/>
-              <a:t>Copyright © 2020 SPIKE Prime Lessons (primelessons.org) CC-BY-NC-SA.  (Last edit: 1/9/2020)</a:t>
+              <a:t>Copyright © 2020 SPIKE Prime Lessons (primelessons.org) CC-BY-NC-SA.  (Last edit: 6/07/2020)</a:t>
             </a:r>
             <a:endParaRPr lang="en-US" dirty="0"/>
           </a:p>
@@ -5799,7 +5800,15 @@
             <a:pPr algn="ctr"/>
             <a:r>
               <a:rPr lang="en-US" sz="1400" dirty="0"/>
-              <a:t>Sanjay and Arvind Seshan in Billund, Denmark in 2017</a:t>
+              <a:t>Arvind and Sanjay </a:t>
+            </a:r>
+            <a:r>
+              <a:rPr lang="en-US" sz="1400" dirty="0" err="1"/>
+              <a:t>Seshan</a:t>
+            </a:r>
+            <a:r>
+              <a:rPr lang="en-US" sz="1400" dirty="0"/>
+              <a:t> in Billund, Denmark in 2017</a:t>
             </a:r>
           </a:p>
         </p:txBody>
@@ -5946,7 +5955,7 @@
           <a:p>
             <a:r>
               <a:rPr lang="en-US"/>
-              <a:t>Copyright © 2020 SPIKE Prime Lessons (primelessons.org) CC-BY-NC-SA.  (Last edit: 1/9/2020)</a:t>
+              <a:t>Copyright © 2020 SPIKE Prime Lessons (primelessons.org) CC-BY-NC-SA.  (Last edit: 6/07/2020)</a:t>
             </a:r>
             <a:endParaRPr lang="en-US" dirty="0"/>
           </a:p>
@@ -6125,7 +6134,7 @@
           <a:p>
             <a:r>
               <a:rPr lang="en-US"/>
-              <a:t>Copyright © 2020 SPIKE Prime Lessons (primelessons.org) CC-BY-NC-SA.  (Last edit: 1/9/2020)</a:t>
+              <a:t>Copyright © 2020 SPIKE Prime Lessons (primelessons.org) CC-BY-NC-SA.  (Last edit: 6/07/2020)</a:t>
             </a:r>
             <a:endParaRPr lang="en-US" dirty="0"/>
           </a:p>
@@ -6298,6 +6307,20 @@
             </a:pPr>
             <a:r>
               <a:rPr lang="en-US" dirty="0"/>
+              <a:t>Easier Building with SPIKE Prime</a:t>
+            </a:r>
+          </a:p>
+          <a:p>
+            <a:pPr lvl="1">
+              <a:spcBef>
+                <a:spcPts val="0"/>
+              </a:spcBef>
+              <a:spcAft>
+                <a:spcPts val="0"/>
+              </a:spcAft>
+            </a:pPr>
+            <a:r>
+              <a:rPr lang="en-US" dirty="0"/>
               <a:t>Installing Software and Firmware</a:t>
             </a:r>
           </a:p>
@@ -6494,7 +6517,7 @@
           <a:p>
             <a:r>
               <a:rPr lang="en-US"/>
-              <a:t>Copyright © 2020 SPIKE Prime Lessons (primelessons.org) CC-BY-NC-SA.  (Last edit: 1/9/2020)</a:t>
+              <a:t>Copyright © 2020 SPIKE Prime Lessons (primelessons.org) CC-BY-NC-SA.  (Last edit: 6/07/2020)</a:t>
             </a:r>
             <a:endParaRPr lang="en-US" dirty="0"/>
           </a:p>
@@ -6526,253 +6549,6 @@
               <a:t>5</a:t>
             </a:fld>
             <a:endParaRPr lang="en-US"/>
-          </a:p>
-        </p:txBody>
-      </p:sp>
-      <p:sp>
-        <p:nvSpPr>
-          <p:cNvPr id="7" name="Content Placeholder 2">
-            <a:extLst>
-              <a:ext uri="{FF2B5EF4-FFF2-40B4-BE49-F238E27FC236}">
-                <a16:creationId xmlns:a16="http://schemas.microsoft.com/office/drawing/2014/main" id="{DE57DA48-5C45-FA45-90CD-7C3FC1A5A406}"/>
-              </a:ext>
-            </a:extLst>
-          </p:cNvPr>
-          <p:cNvSpPr txBox="1">
-            <a:spLocks/>
-          </p:cNvSpPr>
-          <p:nvPr/>
-        </p:nvSpPr>
-        <p:spPr>
-          <a:xfrm rot="20168682">
-            <a:off x="7556917" y="434742"/>
-            <a:ext cx="1205768" cy="690383"/>
-          </a:xfrm>
-          <a:prstGeom prst="rect">
-            <a:avLst/>
-          </a:prstGeom>
-          <a:solidFill>
-            <a:schemeClr val="bg1">
-              <a:lumMod val="95000"/>
-            </a:schemeClr>
-          </a:solidFill>
-        </p:spPr>
-        <p:txBody>
-          <a:bodyPr vert="horz" lIns="91440" tIns="45720" rIns="91440" bIns="45720" rtlCol="0" anchor="t">
-            <a:normAutofit fontScale="85000" lnSpcReduction="20000"/>
-          </a:bodyPr>
-          <a:lstStyle>
-            <a:lvl1pPr marL="306000" indent="-306000" algn="l" defTabSz="457200" rtl="0" eaLnBrk="1" latinLnBrk="0" hangingPunct="1">
-              <a:spcBef>
-                <a:spcPct val="20000"/>
-              </a:spcBef>
-              <a:spcAft>
-                <a:spcPts val="600"/>
-              </a:spcAft>
-              <a:buClr>
-                <a:schemeClr val="accent2"/>
-              </a:buClr>
-              <a:buSzPct val="92000"/>
-              <a:buFont typeface="Wingdings 2" charset="2"/>
-              <a:buChar char=""/>
-              <a:defRPr sz="1800" kern="1200">
-                <a:solidFill>
-                  <a:schemeClr val="tx2"/>
-                </a:solidFill>
-                <a:latin typeface="+mn-lt"/>
-                <a:ea typeface="+mn-ea"/>
-                <a:cs typeface="+mn-cs"/>
-              </a:defRPr>
-            </a:lvl1pPr>
-            <a:lvl2pPr marL="630000" indent="-306000" algn="l" defTabSz="457200" rtl="0" eaLnBrk="1" latinLnBrk="0" hangingPunct="1">
-              <a:spcBef>
-                <a:spcPct val="20000"/>
-              </a:spcBef>
-              <a:spcAft>
-                <a:spcPts val="600"/>
-              </a:spcAft>
-              <a:buClr>
-                <a:schemeClr val="accent2"/>
-              </a:buClr>
-              <a:buSzPct val="92000"/>
-              <a:buFont typeface="Wingdings 2" charset="2"/>
-              <a:buChar char=""/>
-              <a:defRPr sz="1600" kern="1200">
-                <a:solidFill>
-                  <a:schemeClr val="tx2"/>
-                </a:solidFill>
-                <a:latin typeface="+mn-lt"/>
-                <a:ea typeface="+mn-ea"/>
-                <a:cs typeface="+mn-cs"/>
-              </a:defRPr>
-            </a:lvl2pPr>
-            <a:lvl3pPr marL="900000" indent="-270000" algn="l" defTabSz="457200" rtl="0" eaLnBrk="1" latinLnBrk="0" hangingPunct="1">
-              <a:spcBef>
-                <a:spcPct val="20000"/>
-              </a:spcBef>
-              <a:spcAft>
-                <a:spcPts val="600"/>
-              </a:spcAft>
-              <a:buClr>
-                <a:schemeClr val="accent2"/>
-              </a:buClr>
-              <a:buSzPct val="92000"/>
-              <a:buFont typeface="Wingdings 2" charset="2"/>
-              <a:buChar char=""/>
-              <a:defRPr sz="1400" kern="1200">
-                <a:solidFill>
-                  <a:schemeClr val="tx2"/>
-                </a:solidFill>
-                <a:latin typeface="+mn-lt"/>
-                <a:ea typeface="+mn-ea"/>
-                <a:cs typeface="+mn-cs"/>
-              </a:defRPr>
-            </a:lvl3pPr>
-            <a:lvl4pPr marL="1242000" indent="-234000" algn="l" defTabSz="457200" rtl="0" eaLnBrk="1" latinLnBrk="0" hangingPunct="1">
-              <a:spcBef>
-                <a:spcPct val="20000"/>
-              </a:spcBef>
-              <a:spcAft>
-                <a:spcPts val="600"/>
-              </a:spcAft>
-              <a:buClr>
-                <a:schemeClr val="accent2"/>
-              </a:buClr>
-              <a:buSzPct val="92000"/>
-              <a:buFont typeface="Wingdings 2" charset="2"/>
-              <a:buChar char=""/>
-              <a:defRPr sz="1200" kern="1200">
-                <a:solidFill>
-                  <a:schemeClr val="tx2"/>
-                </a:solidFill>
-                <a:latin typeface="+mn-lt"/>
-                <a:ea typeface="+mn-ea"/>
-                <a:cs typeface="+mn-cs"/>
-              </a:defRPr>
-            </a:lvl4pPr>
-            <a:lvl5pPr marL="1602000" indent="-234000" algn="l" defTabSz="457200" rtl="0" eaLnBrk="1" latinLnBrk="0" hangingPunct="1">
-              <a:spcBef>
-                <a:spcPct val="20000"/>
-              </a:spcBef>
-              <a:spcAft>
-                <a:spcPts val="600"/>
-              </a:spcAft>
-              <a:buClr>
-                <a:schemeClr val="accent2"/>
-              </a:buClr>
-              <a:buSzPct val="92000"/>
-              <a:buFont typeface="Wingdings 2" charset="2"/>
-              <a:buChar char=""/>
-              <a:defRPr sz="1200" kern="1200">
-                <a:solidFill>
-                  <a:schemeClr val="tx2"/>
-                </a:solidFill>
-                <a:latin typeface="+mn-lt"/>
-                <a:ea typeface="+mn-ea"/>
-                <a:cs typeface="+mn-cs"/>
-              </a:defRPr>
-            </a:lvl5pPr>
-            <a:lvl6pPr marL="1900000" indent="-228600" algn="l" defTabSz="457200" rtl="0" eaLnBrk="1" latinLnBrk="0" hangingPunct="1">
-              <a:spcBef>
-                <a:spcPct val="20000"/>
-              </a:spcBef>
-              <a:spcAft>
-                <a:spcPts val="600"/>
-              </a:spcAft>
-              <a:buClr>
-                <a:schemeClr val="accent2"/>
-              </a:buClr>
-              <a:buSzPct val="92000"/>
-              <a:buFont typeface="Wingdings 2" charset="2"/>
-              <a:buChar char=""/>
-              <a:defRPr sz="1200" kern="1200">
-                <a:solidFill>
-                  <a:schemeClr val="tx2"/>
-                </a:solidFill>
-                <a:latin typeface="+mn-lt"/>
-                <a:ea typeface="+mn-ea"/>
-                <a:cs typeface="+mn-cs"/>
-              </a:defRPr>
-            </a:lvl6pPr>
-            <a:lvl7pPr marL="2200000" indent="-228600" algn="l" defTabSz="457200" rtl="0" eaLnBrk="1" latinLnBrk="0" hangingPunct="1">
-              <a:spcBef>
-                <a:spcPct val="20000"/>
-              </a:spcBef>
-              <a:spcAft>
-                <a:spcPts val="600"/>
-              </a:spcAft>
-              <a:buClr>
-                <a:schemeClr val="accent2"/>
-              </a:buClr>
-              <a:buSzPct val="92000"/>
-              <a:buFont typeface="Wingdings 2" charset="2"/>
-              <a:buChar char=""/>
-              <a:defRPr sz="1200" kern="1200">
-                <a:solidFill>
-                  <a:schemeClr val="tx2"/>
-                </a:solidFill>
-                <a:latin typeface="+mn-lt"/>
-                <a:ea typeface="+mn-ea"/>
-                <a:cs typeface="+mn-cs"/>
-              </a:defRPr>
-            </a:lvl7pPr>
-            <a:lvl8pPr marL="2500000" indent="-228600" algn="l" defTabSz="457200" rtl="0" eaLnBrk="1" latinLnBrk="0" hangingPunct="1">
-              <a:spcBef>
-                <a:spcPct val="20000"/>
-              </a:spcBef>
-              <a:spcAft>
-                <a:spcPts val="600"/>
-              </a:spcAft>
-              <a:buClr>
-                <a:schemeClr val="accent2"/>
-              </a:buClr>
-              <a:buSzPct val="92000"/>
-              <a:buFont typeface="Wingdings 2" charset="2"/>
-              <a:buChar char=""/>
-              <a:defRPr sz="1200" kern="1200">
-                <a:solidFill>
-                  <a:schemeClr val="tx2"/>
-                </a:solidFill>
-                <a:latin typeface="+mn-lt"/>
-                <a:ea typeface="+mn-ea"/>
-                <a:cs typeface="+mn-cs"/>
-              </a:defRPr>
-            </a:lvl8pPr>
-            <a:lvl9pPr marL="2800000" indent="-228600" algn="l" defTabSz="457200" rtl="0" eaLnBrk="1" latinLnBrk="0" hangingPunct="1">
-              <a:spcBef>
-                <a:spcPct val="20000"/>
-              </a:spcBef>
-              <a:spcAft>
-                <a:spcPts val="600"/>
-              </a:spcAft>
-              <a:buClr>
-                <a:schemeClr val="accent2"/>
-              </a:buClr>
-              <a:buSzPct val="92000"/>
-              <a:buFont typeface="Wingdings 2" panose="05020102010507070707" pitchFamily="18" charset="2"/>
-              <a:buChar char=""/>
-              <a:defRPr sz="1200" kern="1200">
-                <a:solidFill>
-                  <a:schemeClr val="tx2"/>
-                </a:solidFill>
-                <a:latin typeface="+mn-lt"/>
-                <a:ea typeface="+mn-ea"/>
-                <a:cs typeface="+mn-cs"/>
-              </a:defRPr>
-            </a:lvl9pPr>
-          </a:lstStyle>
-          <a:p>
-            <a:pPr marL="0" indent="0" algn="ctr">
-              <a:buNone/>
-            </a:pPr>
-            <a:r>
-              <a:rPr lang="en-US" dirty="0">
-                <a:solidFill>
-                  <a:srgbClr val="FF0000"/>
-                </a:solidFill>
-              </a:rPr>
-              <a:t>More lessons planned and coming soon</a:t>
-            </a:r>
           </a:p>
         </p:txBody>
       </p:sp>
@@ -7134,6 +6910,20 @@
             </a:r>
           </a:p>
           <a:p>
+            <a:pPr>
+              <a:spcBef>
+                <a:spcPts val="0"/>
+              </a:spcBef>
+              <a:spcAft>
+                <a:spcPts val="0"/>
+              </a:spcAft>
+            </a:pPr>
+            <a:r>
+              <a:rPr lang="en-US" dirty="0"/>
+              <a:t>UNIT 7: Putting it all Together</a:t>
+            </a:r>
+          </a:p>
+          <a:p>
             <a:pPr lvl="1">
               <a:spcBef>
                 <a:spcPts val="0"/>
@@ -7144,11 +6934,11 @@
             </a:pPr>
             <a:r>
               <a:rPr lang="en-US" dirty="0"/>
-              <a:t>Debugging Techniques</a:t>
-            </a:r>
-          </a:p>
-          <a:p>
-            <a:pPr>
+              <a:t>Moving an Object with Stall Detection</a:t>
+            </a:r>
+          </a:p>
+          <a:p>
+            <a:pPr lvl="1">
               <a:spcBef>
                 <a:spcPts val="0"/>
               </a:spcBef>
@@ -7158,7 +6948,7 @@
             </a:pPr>
             <a:r>
               <a:rPr lang="en-US" dirty="0"/>
-              <a:t>UNIT 7: Putting it all Together</a:t>
+              <a:t>Basic Line Follower</a:t>
             </a:r>
           </a:p>
           <a:p>
@@ -7172,49 +6962,7 @@
             </a:pPr>
             <a:r>
               <a:rPr lang="en-US" dirty="0"/>
-              <a:t>Moving an Object with Stall Detection</a:t>
-            </a:r>
-          </a:p>
-          <a:p>
-            <a:pPr lvl="1">
-              <a:spcBef>
-                <a:spcPts val="0"/>
-              </a:spcBef>
-              <a:spcAft>
-                <a:spcPts val="0"/>
-              </a:spcAft>
-            </a:pPr>
-            <a:r>
-              <a:rPr lang="en-US" dirty="0"/>
-              <a:t>Basic Line Follower</a:t>
-            </a:r>
-          </a:p>
-          <a:p>
-            <a:pPr lvl="1">
-              <a:spcBef>
-                <a:spcPts val="0"/>
-              </a:spcBef>
-              <a:spcAft>
-                <a:spcPts val="0"/>
-              </a:spcAft>
-            </a:pPr>
-            <a:r>
-              <a:rPr lang="en-US" dirty="0"/>
               <a:t>Challenges</a:t>
-            </a:r>
-          </a:p>
-          <a:p>
-            <a:pPr lvl="1">
-              <a:spcBef>
-                <a:spcPts val="0"/>
-              </a:spcBef>
-              <a:spcAft>
-                <a:spcPts val="0"/>
-              </a:spcAft>
-            </a:pPr>
-            <a:r>
-              <a:rPr lang="en-US" dirty="0"/>
-              <a:t>Robot Reliability</a:t>
             </a:r>
           </a:p>
           <a:p>
@@ -7264,7 +7012,13 @@
       </p:grpSpPr>
       <p:sp>
         <p:nvSpPr>
-          <p:cNvPr id="2" name="Title 1"/>
+          <p:cNvPr id="2" name="Title 1">
+            <a:extLst>
+              <a:ext uri="{FF2B5EF4-FFF2-40B4-BE49-F238E27FC236}">
+                <a16:creationId xmlns:a16="http://schemas.microsoft.com/office/drawing/2014/main" id="{BE1824DD-7FEB-DC43-96CA-4491C598D4D6}"/>
+              </a:ext>
+            </a:extLst>
+          </p:cNvPr>
           <p:cNvSpPr>
             <a:spLocks noGrp="1"/>
           </p:cNvSpPr>
@@ -7279,14 +7033,20 @@
           <a:p>
             <a:r>
               <a:rPr lang="en-US" dirty="0"/>
-              <a:t>CREDITS</a:t>
-            </a:r>
-          </a:p>
-        </p:txBody>
-      </p:sp>
-      <p:sp>
-        <p:nvSpPr>
-          <p:cNvPr id="3" name="Content Placeholder 2"/>
+              <a:t>SPIKE PRIME lessons</a:t>
+            </a:r>
+          </a:p>
+        </p:txBody>
+      </p:sp>
+      <p:sp>
+        <p:nvSpPr>
+          <p:cNvPr id="3" name="Content Placeholder 2">
+            <a:extLst>
+              <a:ext uri="{FF2B5EF4-FFF2-40B4-BE49-F238E27FC236}">
+                <a16:creationId xmlns:a16="http://schemas.microsoft.com/office/drawing/2014/main" id="{7CD9AFD5-4CCA-3645-841C-2F277EF95971}"/>
+              </a:ext>
+            </a:extLst>
+          </p:cNvPr>
           <p:cNvSpPr>
             <a:spLocks noGrp="1"/>
           </p:cNvSpPr>
@@ -7296,8 +7056,8 @@
         </p:nvSpPr>
         <p:spPr>
           <a:xfrm>
-            <a:off x="457200" y="1317983"/>
-            <a:ext cx="8245474" cy="1145345"/>
+            <a:off x="155088" y="1299882"/>
+            <a:ext cx="4255614" cy="4849906"/>
           </a:xfrm>
         </p:spPr>
         <p:txBody>
@@ -7306,6 +7066,620 @@
           </a:bodyPr>
           <a:lstStyle/>
           <a:p>
+            <a:pPr>
+              <a:spcBef>
+                <a:spcPts val="0"/>
+              </a:spcBef>
+              <a:spcAft>
+                <a:spcPts val="0"/>
+              </a:spcAft>
+            </a:pPr>
+            <a:r>
+              <a:rPr lang="en-US" dirty="0"/>
+              <a:t>UNIT 8 – Advanced Programming Techniques</a:t>
+            </a:r>
+          </a:p>
+          <a:p>
+            <a:pPr lvl="1">
+              <a:spcBef>
+                <a:spcPts val="0"/>
+              </a:spcBef>
+              <a:spcAft>
+                <a:spcPts val="0"/>
+              </a:spcAft>
+            </a:pPr>
+            <a:r>
+              <a:rPr lang="en-US" dirty="0"/>
+              <a:t>Introduction to Events</a:t>
+            </a:r>
+          </a:p>
+          <a:p>
+            <a:pPr lvl="1">
+              <a:spcBef>
+                <a:spcPts val="0"/>
+              </a:spcBef>
+              <a:spcAft>
+                <a:spcPts val="0"/>
+              </a:spcAft>
+            </a:pPr>
+            <a:r>
+              <a:rPr lang="en-US" dirty="0"/>
+              <a:t>Event Synchronization</a:t>
+            </a:r>
+          </a:p>
+          <a:p>
+            <a:pPr lvl="1">
+              <a:spcBef>
+                <a:spcPts val="0"/>
+              </a:spcBef>
+              <a:spcAft>
+                <a:spcPts val="0"/>
+              </a:spcAft>
+            </a:pPr>
+            <a:r>
+              <a:rPr lang="en-US" dirty="0"/>
+              <a:t>Variables</a:t>
+            </a:r>
+          </a:p>
+          <a:p>
+            <a:pPr lvl="1">
+              <a:spcBef>
+                <a:spcPts val="0"/>
+              </a:spcBef>
+              <a:spcAft>
+                <a:spcPts val="0"/>
+              </a:spcAft>
+            </a:pPr>
+            <a:r>
+              <a:rPr lang="en-US" dirty="0"/>
+              <a:t>My Blocks</a:t>
+            </a:r>
+          </a:p>
+          <a:p>
+            <a:pPr>
+              <a:spcBef>
+                <a:spcPts val="0"/>
+              </a:spcBef>
+              <a:spcAft>
+                <a:spcPts val="0"/>
+              </a:spcAft>
+            </a:pPr>
+            <a:r>
+              <a:rPr lang="en-US" dirty="0"/>
+              <a:t>UNIT 9 – Advanced Sensor Use</a:t>
+            </a:r>
+          </a:p>
+          <a:p>
+            <a:pPr lvl="1">
+              <a:spcBef>
+                <a:spcPts val="0"/>
+              </a:spcBef>
+              <a:spcAft>
+                <a:spcPts val="0"/>
+              </a:spcAft>
+            </a:pPr>
+            <a:r>
+              <a:rPr lang="en-US" dirty="0"/>
+              <a:t>Squaring on a Line</a:t>
+            </a:r>
+          </a:p>
+          <a:p>
+            <a:pPr lvl="1">
+              <a:spcBef>
+                <a:spcPts val="0"/>
+              </a:spcBef>
+              <a:spcAft>
+                <a:spcPts val="0"/>
+              </a:spcAft>
+            </a:pPr>
+            <a:r>
+              <a:rPr lang="en-US" dirty="0"/>
+              <a:t>Proportional Line Follower</a:t>
+            </a:r>
+          </a:p>
+          <a:p>
+            <a:pPr lvl="1">
+              <a:spcBef>
+                <a:spcPts val="0"/>
+              </a:spcBef>
+              <a:spcAft>
+                <a:spcPts val="0"/>
+              </a:spcAft>
+            </a:pPr>
+            <a:r>
+              <a:rPr lang="en-US" dirty="0"/>
+              <a:t>Gyro Move Straight</a:t>
+            </a:r>
+          </a:p>
+          <a:p>
+            <a:pPr lvl="1">
+              <a:spcBef>
+                <a:spcPts val="0"/>
+              </a:spcBef>
+              <a:spcAft>
+                <a:spcPts val="0"/>
+              </a:spcAft>
+            </a:pPr>
+            <a:r>
+              <a:rPr lang="en-US" dirty="0"/>
+              <a:t>PID Line Follower</a:t>
+            </a:r>
+          </a:p>
+          <a:p>
+            <a:pPr>
+              <a:spcBef>
+                <a:spcPts val="0"/>
+              </a:spcBef>
+              <a:spcAft>
+                <a:spcPts val="0"/>
+              </a:spcAft>
+            </a:pPr>
+            <a:r>
+              <a:rPr lang="en-US" dirty="0"/>
+              <a:t>UNIT 10 – Techniques for FIRST LEGO League</a:t>
+            </a:r>
+          </a:p>
+          <a:p>
+            <a:pPr lvl="1">
+              <a:spcBef>
+                <a:spcPts val="0"/>
+              </a:spcBef>
+              <a:spcAft>
+                <a:spcPts val="0"/>
+              </a:spcAft>
+            </a:pPr>
+            <a:r>
+              <a:rPr lang="en-US" dirty="0"/>
+              <a:t>Acceleration</a:t>
+            </a:r>
+          </a:p>
+          <a:p>
+            <a:pPr lvl="1">
+              <a:spcBef>
+                <a:spcPts val="0"/>
+              </a:spcBef>
+              <a:spcAft>
+                <a:spcPts val="0"/>
+              </a:spcAft>
+            </a:pPr>
+            <a:r>
+              <a:rPr lang="en-US" dirty="0"/>
+              <a:t>Debugging Techniques</a:t>
+            </a:r>
+          </a:p>
+          <a:p>
+            <a:pPr lvl="1">
+              <a:spcBef>
+                <a:spcPts val="0"/>
+              </a:spcBef>
+              <a:spcAft>
+                <a:spcPts val="0"/>
+              </a:spcAft>
+            </a:pPr>
+            <a:r>
+              <a:rPr lang="en-US" dirty="0"/>
+              <a:t>Reliability Techniques</a:t>
+            </a:r>
+          </a:p>
+          <a:p>
+            <a:pPr>
+              <a:spcBef>
+                <a:spcPts val="0"/>
+              </a:spcBef>
+              <a:spcAft>
+                <a:spcPts val="0"/>
+              </a:spcAft>
+            </a:pPr>
+            <a:r>
+              <a:rPr lang="en-US" dirty="0"/>
+              <a:t>UNIT 11 – </a:t>
+            </a:r>
+            <a:r>
+              <a:rPr lang="en-US" dirty="0" err="1"/>
+              <a:t>MicroPython</a:t>
+            </a:r>
+            <a:endParaRPr lang="en-US" dirty="0"/>
+          </a:p>
+          <a:p>
+            <a:pPr lvl="1">
+              <a:spcBef>
+                <a:spcPts val="0"/>
+              </a:spcBef>
+              <a:spcAft>
+                <a:spcPts val="0"/>
+              </a:spcAft>
+            </a:pPr>
+            <a:r>
+              <a:rPr lang="en-US" dirty="0"/>
+              <a:t>Introduction to </a:t>
+            </a:r>
+            <a:r>
+              <a:rPr lang="en-US" dirty="0" err="1"/>
+              <a:t>MicroPython</a:t>
+            </a:r>
+            <a:endParaRPr lang="en-US" dirty="0"/>
+          </a:p>
+        </p:txBody>
+      </p:sp>
+      <p:sp>
+        <p:nvSpPr>
+          <p:cNvPr id="4" name="Footer Placeholder 3">
+            <a:extLst>
+              <a:ext uri="{FF2B5EF4-FFF2-40B4-BE49-F238E27FC236}">
+                <a16:creationId xmlns:a16="http://schemas.microsoft.com/office/drawing/2014/main" id="{02F97D66-77C4-4C43-B316-CCBBA7AA8E75}"/>
+              </a:ext>
+            </a:extLst>
+          </p:cNvPr>
+          <p:cNvSpPr>
+            <a:spLocks noGrp="1"/>
+          </p:cNvSpPr>
+          <p:nvPr>
+            <p:ph type="ftr" sz="quarter" idx="11"/>
+          </p:nvPr>
+        </p:nvSpPr>
+        <p:spPr/>
+        <p:txBody>
+          <a:bodyPr/>
+          <a:lstStyle/>
+          <a:p>
+            <a:r>
+              <a:rPr lang="en-US"/>
+              <a:t>Copyright © 2020 SPIKE Prime Lessons (primelessons.org) CC-BY-NC-SA.  (Last edit: 6/07/2020)</a:t>
+            </a:r>
+            <a:endParaRPr lang="en-US" dirty="0"/>
+          </a:p>
+        </p:txBody>
+      </p:sp>
+      <p:sp>
+        <p:nvSpPr>
+          <p:cNvPr id="5" name="Slide Number Placeholder 4">
+            <a:extLst>
+              <a:ext uri="{FF2B5EF4-FFF2-40B4-BE49-F238E27FC236}">
+                <a16:creationId xmlns:a16="http://schemas.microsoft.com/office/drawing/2014/main" id="{DC4F24DE-9FFD-404F-98E6-A475D2E7D8EF}"/>
+              </a:ext>
+            </a:extLst>
+          </p:cNvPr>
+          <p:cNvSpPr>
+            <a:spLocks noGrp="1"/>
+          </p:cNvSpPr>
+          <p:nvPr>
+            <p:ph type="sldNum" sz="quarter" idx="12"/>
+          </p:nvPr>
+        </p:nvSpPr>
+        <p:spPr/>
+        <p:txBody>
+          <a:bodyPr/>
+          <a:lstStyle/>
+          <a:p>
+            <a:fld id="{BBD74847-7BE4-4E4D-8159-51DF7B93C616}" type="slidenum">
+              <a:rPr lang="en-US" smtClean="0"/>
+              <a:t>6</a:t>
+            </a:fld>
+            <a:endParaRPr lang="en-US"/>
+          </a:p>
+        </p:txBody>
+      </p:sp>
+      <p:sp>
+        <p:nvSpPr>
+          <p:cNvPr id="7" name="Content Placeholder 2">
+            <a:extLst>
+              <a:ext uri="{FF2B5EF4-FFF2-40B4-BE49-F238E27FC236}">
+                <a16:creationId xmlns:a16="http://schemas.microsoft.com/office/drawing/2014/main" id="{DE57DA48-5C45-FA45-90CD-7C3FC1A5A406}"/>
+              </a:ext>
+            </a:extLst>
+          </p:cNvPr>
+          <p:cNvSpPr txBox="1">
+            <a:spLocks/>
+          </p:cNvSpPr>
+          <p:nvPr/>
+        </p:nvSpPr>
+        <p:spPr>
+          <a:xfrm rot="20168682">
+            <a:off x="5865143" y="2144715"/>
+            <a:ext cx="1942021" cy="1194702"/>
+          </a:xfrm>
+          <a:prstGeom prst="rect">
+            <a:avLst/>
+          </a:prstGeom>
+          <a:solidFill>
+            <a:schemeClr val="bg1">
+              <a:lumMod val="95000"/>
+            </a:schemeClr>
+          </a:solidFill>
+        </p:spPr>
+        <p:txBody>
+          <a:bodyPr vert="horz" lIns="91440" tIns="45720" rIns="91440" bIns="45720" rtlCol="0" anchor="t">
+            <a:normAutofit/>
+          </a:bodyPr>
+          <a:lstStyle>
+            <a:lvl1pPr marL="306000" indent="-306000" algn="l" defTabSz="457200" rtl="0" eaLnBrk="1" latinLnBrk="0" hangingPunct="1">
+              <a:spcBef>
+                <a:spcPct val="20000"/>
+              </a:spcBef>
+              <a:spcAft>
+                <a:spcPts val="600"/>
+              </a:spcAft>
+              <a:buClr>
+                <a:schemeClr val="accent2"/>
+              </a:buClr>
+              <a:buSzPct val="92000"/>
+              <a:buFont typeface="Wingdings 2" charset="2"/>
+              <a:buChar char=""/>
+              <a:defRPr sz="1800" kern="1200">
+                <a:solidFill>
+                  <a:schemeClr val="tx2"/>
+                </a:solidFill>
+                <a:latin typeface="+mn-lt"/>
+                <a:ea typeface="+mn-ea"/>
+                <a:cs typeface="+mn-cs"/>
+              </a:defRPr>
+            </a:lvl1pPr>
+            <a:lvl2pPr marL="630000" indent="-306000" algn="l" defTabSz="457200" rtl="0" eaLnBrk="1" latinLnBrk="0" hangingPunct="1">
+              <a:spcBef>
+                <a:spcPct val="20000"/>
+              </a:spcBef>
+              <a:spcAft>
+                <a:spcPts val="600"/>
+              </a:spcAft>
+              <a:buClr>
+                <a:schemeClr val="accent2"/>
+              </a:buClr>
+              <a:buSzPct val="92000"/>
+              <a:buFont typeface="Wingdings 2" charset="2"/>
+              <a:buChar char=""/>
+              <a:defRPr sz="1600" kern="1200">
+                <a:solidFill>
+                  <a:schemeClr val="tx2"/>
+                </a:solidFill>
+                <a:latin typeface="+mn-lt"/>
+                <a:ea typeface="+mn-ea"/>
+                <a:cs typeface="+mn-cs"/>
+              </a:defRPr>
+            </a:lvl2pPr>
+            <a:lvl3pPr marL="900000" indent="-270000" algn="l" defTabSz="457200" rtl="0" eaLnBrk="1" latinLnBrk="0" hangingPunct="1">
+              <a:spcBef>
+                <a:spcPct val="20000"/>
+              </a:spcBef>
+              <a:spcAft>
+                <a:spcPts val="600"/>
+              </a:spcAft>
+              <a:buClr>
+                <a:schemeClr val="accent2"/>
+              </a:buClr>
+              <a:buSzPct val="92000"/>
+              <a:buFont typeface="Wingdings 2" charset="2"/>
+              <a:buChar char=""/>
+              <a:defRPr sz="1400" kern="1200">
+                <a:solidFill>
+                  <a:schemeClr val="tx2"/>
+                </a:solidFill>
+                <a:latin typeface="+mn-lt"/>
+                <a:ea typeface="+mn-ea"/>
+                <a:cs typeface="+mn-cs"/>
+              </a:defRPr>
+            </a:lvl3pPr>
+            <a:lvl4pPr marL="1242000" indent="-234000" algn="l" defTabSz="457200" rtl="0" eaLnBrk="1" latinLnBrk="0" hangingPunct="1">
+              <a:spcBef>
+                <a:spcPct val="20000"/>
+              </a:spcBef>
+              <a:spcAft>
+                <a:spcPts val="600"/>
+              </a:spcAft>
+              <a:buClr>
+                <a:schemeClr val="accent2"/>
+              </a:buClr>
+              <a:buSzPct val="92000"/>
+              <a:buFont typeface="Wingdings 2" charset="2"/>
+              <a:buChar char=""/>
+              <a:defRPr sz="1200" kern="1200">
+                <a:solidFill>
+                  <a:schemeClr val="tx2"/>
+                </a:solidFill>
+                <a:latin typeface="+mn-lt"/>
+                <a:ea typeface="+mn-ea"/>
+                <a:cs typeface="+mn-cs"/>
+              </a:defRPr>
+            </a:lvl4pPr>
+            <a:lvl5pPr marL="1602000" indent="-234000" algn="l" defTabSz="457200" rtl="0" eaLnBrk="1" latinLnBrk="0" hangingPunct="1">
+              <a:spcBef>
+                <a:spcPct val="20000"/>
+              </a:spcBef>
+              <a:spcAft>
+                <a:spcPts val="600"/>
+              </a:spcAft>
+              <a:buClr>
+                <a:schemeClr val="accent2"/>
+              </a:buClr>
+              <a:buSzPct val="92000"/>
+              <a:buFont typeface="Wingdings 2" charset="2"/>
+              <a:buChar char=""/>
+              <a:defRPr sz="1200" kern="1200">
+                <a:solidFill>
+                  <a:schemeClr val="tx2"/>
+                </a:solidFill>
+                <a:latin typeface="+mn-lt"/>
+                <a:ea typeface="+mn-ea"/>
+                <a:cs typeface="+mn-cs"/>
+              </a:defRPr>
+            </a:lvl5pPr>
+            <a:lvl6pPr marL="1900000" indent="-228600" algn="l" defTabSz="457200" rtl="0" eaLnBrk="1" latinLnBrk="0" hangingPunct="1">
+              <a:spcBef>
+                <a:spcPct val="20000"/>
+              </a:spcBef>
+              <a:spcAft>
+                <a:spcPts val="600"/>
+              </a:spcAft>
+              <a:buClr>
+                <a:schemeClr val="accent2"/>
+              </a:buClr>
+              <a:buSzPct val="92000"/>
+              <a:buFont typeface="Wingdings 2" charset="2"/>
+              <a:buChar char=""/>
+              <a:defRPr sz="1200" kern="1200">
+                <a:solidFill>
+                  <a:schemeClr val="tx2"/>
+                </a:solidFill>
+                <a:latin typeface="+mn-lt"/>
+                <a:ea typeface="+mn-ea"/>
+                <a:cs typeface="+mn-cs"/>
+              </a:defRPr>
+            </a:lvl6pPr>
+            <a:lvl7pPr marL="2200000" indent="-228600" algn="l" defTabSz="457200" rtl="0" eaLnBrk="1" latinLnBrk="0" hangingPunct="1">
+              <a:spcBef>
+                <a:spcPct val="20000"/>
+              </a:spcBef>
+              <a:spcAft>
+                <a:spcPts val="600"/>
+              </a:spcAft>
+              <a:buClr>
+                <a:schemeClr val="accent2"/>
+              </a:buClr>
+              <a:buSzPct val="92000"/>
+              <a:buFont typeface="Wingdings 2" charset="2"/>
+              <a:buChar char=""/>
+              <a:defRPr sz="1200" kern="1200">
+                <a:solidFill>
+                  <a:schemeClr val="tx2"/>
+                </a:solidFill>
+                <a:latin typeface="+mn-lt"/>
+                <a:ea typeface="+mn-ea"/>
+                <a:cs typeface="+mn-cs"/>
+              </a:defRPr>
+            </a:lvl7pPr>
+            <a:lvl8pPr marL="2500000" indent="-228600" algn="l" defTabSz="457200" rtl="0" eaLnBrk="1" latinLnBrk="0" hangingPunct="1">
+              <a:spcBef>
+                <a:spcPct val="20000"/>
+              </a:spcBef>
+              <a:spcAft>
+                <a:spcPts val="600"/>
+              </a:spcAft>
+              <a:buClr>
+                <a:schemeClr val="accent2"/>
+              </a:buClr>
+              <a:buSzPct val="92000"/>
+              <a:buFont typeface="Wingdings 2" charset="2"/>
+              <a:buChar char=""/>
+              <a:defRPr sz="1200" kern="1200">
+                <a:solidFill>
+                  <a:schemeClr val="tx2"/>
+                </a:solidFill>
+                <a:latin typeface="+mn-lt"/>
+                <a:ea typeface="+mn-ea"/>
+                <a:cs typeface="+mn-cs"/>
+              </a:defRPr>
+            </a:lvl8pPr>
+            <a:lvl9pPr marL="2800000" indent="-228600" algn="l" defTabSz="457200" rtl="0" eaLnBrk="1" latinLnBrk="0" hangingPunct="1">
+              <a:spcBef>
+                <a:spcPct val="20000"/>
+              </a:spcBef>
+              <a:spcAft>
+                <a:spcPts val="600"/>
+              </a:spcAft>
+              <a:buClr>
+                <a:schemeClr val="accent2"/>
+              </a:buClr>
+              <a:buSzPct val="92000"/>
+              <a:buFont typeface="Wingdings 2" panose="05020102010507070707" pitchFamily="18" charset="2"/>
+              <a:buChar char=""/>
+              <a:defRPr sz="1200" kern="1200">
+                <a:solidFill>
+                  <a:schemeClr val="tx2"/>
+                </a:solidFill>
+                <a:latin typeface="+mn-lt"/>
+                <a:ea typeface="+mn-ea"/>
+                <a:cs typeface="+mn-cs"/>
+              </a:defRPr>
+            </a:lvl9pPr>
+          </a:lstStyle>
+          <a:p>
+            <a:pPr marL="0" indent="0" algn="ctr">
+              <a:buNone/>
+            </a:pPr>
+            <a:r>
+              <a:rPr lang="en-US" dirty="0">
+                <a:solidFill>
+                  <a:srgbClr val="FF0000"/>
+                </a:solidFill>
+              </a:rPr>
+              <a:t>More lessons planned and coming soon</a:t>
+            </a:r>
+          </a:p>
+        </p:txBody>
+      </p:sp>
+    </p:spTree>
+    <p:extLst>
+      <p:ext uri="{BB962C8B-B14F-4D97-AF65-F5344CB8AC3E}">
+        <p14:creationId xmlns:p14="http://schemas.microsoft.com/office/powerpoint/2010/main" val="3714922863"/>
+      </p:ext>
+    </p:extLst>
+  </p:cSld>
+  <p:clrMapOvr>
+    <a:masterClrMapping/>
+  </p:clrMapOvr>
+</p:sld>
+</file>
+
+<file path=ppt/slides/slide7.xml><?xml version="1.0" encoding="utf-8"?>
+<p:sld xmlns:a="http://schemas.openxmlformats.org/drawingml/2006/main" xmlns:r="http://schemas.openxmlformats.org/officeDocument/2006/relationships" xmlns:p="http://schemas.openxmlformats.org/presentationml/2006/main">
+  <p:cSld>
+    <p:spTree>
+      <p:nvGrpSpPr>
+        <p:cNvPr id="1" name=""/>
+        <p:cNvGrpSpPr/>
+        <p:nvPr/>
+      </p:nvGrpSpPr>
+      <p:grpSpPr>
+        <a:xfrm>
+          <a:off x="0" y="0"/>
+          <a:ext cx="0" cy="0"/>
+          <a:chOff x="0" y="0"/>
+          <a:chExt cx="0" cy="0"/>
+        </a:xfrm>
+      </p:grpSpPr>
+      <p:sp>
+        <p:nvSpPr>
+          <p:cNvPr id="2" name="Title 1"/>
+          <p:cNvSpPr>
+            <a:spLocks noGrp="1"/>
+          </p:cNvSpPr>
+          <p:nvPr>
+            <p:ph type="title"/>
+          </p:nvPr>
+        </p:nvSpPr>
+        <p:spPr/>
+        <p:txBody>
+          <a:bodyPr/>
+          <a:lstStyle/>
+          <a:p>
+            <a:r>
+              <a:rPr lang="en-US" dirty="0"/>
+              <a:t>CREDITS</a:t>
+            </a:r>
+          </a:p>
+        </p:txBody>
+      </p:sp>
+      <p:sp>
+        <p:nvSpPr>
+          <p:cNvPr id="3" name="Content Placeholder 2"/>
+          <p:cNvSpPr>
+            <a:spLocks noGrp="1"/>
+          </p:cNvSpPr>
+          <p:nvPr>
+            <p:ph idx="1"/>
+          </p:nvPr>
+        </p:nvSpPr>
+        <p:spPr>
+          <a:xfrm>
+            <a:off x="457200" y="1317983"/>
+            <a:ext cx="8245474" cy="1145345"/>
+          </a:xfrm>
+        </p:spPr>
+        <p:txBody>
+          <a:bodyPr>
+            <a:normAutofit/>
+          </a:bodyPr>
+          <a:lstStyle/>
+          <a:p>
             <a:r>
               <a:rPr lang="en-US" sz="1600" dirty="0"/>
               <a:t>This lesson was created by Sanjay Seshan and Arvind Seshan for SPIKE Prime Lessons</a:t>
@@ -7336,7 +7710,7 @@
           <a:p>
             <a:r>
               <a:rPr lang="en-US"/>
-              <a:t>Copyright © 2020 SPIKE Prime Lessons (primelessons.org) CC-BY-NC-SA.  (Last edit: 1/9/2020)</a:t>
+              <a:t>Copyright © 2020 SPIKE Prime Lessons (primelessons.org) CC-BY-NC-SA.  (Last edit: 6/07/2020)</a:t>
             </a:r>
             <a:endParaRPr lang="en-US" dirty="0"/>
           </a:p>
@@ -7367,7 +7741,7 @@
           <a:effectLst/>
           <a:extLst>
             <a:ext uri="{91240B29-F687-4f45-9708-019B960494DF}">
-              <a14:hiddenLine xmlns:a14="http://schemas.microsoft.com/office/drawing/2010/main" xmlns="" w="9525">
+              <a14:hiddenLine xmlns="" xmlns:a14="http://schemas.microsoft.com/office/drawing/2010/main" w="9525">
                 <a:solidFill>
                   <a:schemeClr val="tx1"/>
                 </a:solidFill>
@@ -7377,7 +7751,7 @@
               </a14:hiddenLine>
             </a:ext>
             <a:ext uri="{AF507438-7753-43e0-B8FC-AC1667EBCBE1}">
-              <a14:hiddenEffects xmlns:a14="http://schemas.microsoft.com/office/drawing/2010/main" xmlns="">
+              <a14:hiddenEffects xmlns="" xmlns:a14="http://schemas.microsoft.com/office/drawing/2010/main">
                 <a:effectLst>
                   <a:outerShdw dist="35921" dir="2700000" algn="ctr" rotWithShape="0">
                     <a:schemeClr val="bg2"/>
@@ -7718,7 +8092,7 @@
           <a:noFill/>
           <a:extLst>
             <a:ext uri="{909E8E84-426E-40dd-AFC4-6F175D3DCCD1}">
-              <a14:hiddenFill xmlns:a14="http://schemas.microsoft.com/office/drawing/2010/main" xmlns="">
+              <a14:hiddenFill xmlns="" xmlns:a14="http://schemas.microsoft.com/office/drawing/2010/main">
                 <a:solidFill>
                   <a:srgbClr val="FFFFFF"/>
                 </a:solidFill>
@@ -7750,7 +8124,7 @@
           <a:p>
             <a:fld id="{BBD74847-7BE4-4E4D-8159-51DF7B93C616}" type="slidenum">
               <a:rPr lang="en-US" smtClean="0"/>
-              <a:t>6</a:t>
+              <a:t>7</a:t>
             </a:fld>
             <a:endParaRPr lang="en-US"/>
           </a:p>
